--- a/_site/content/Week12/lab.pptx
+++ b/_site/content/Week12/lab.pptx
@@ -7,6 +7,7 @@
   <p:sldIdLst>
     <p:sldId id="256" r:id="rId2"/>
     <p:sldId id="257" r:id="rId3"/>
+    <p:sldId id="258" r:id="rId4"/>
   </p:sldIdLst>
   <p:sldSz cx="12192000" cy="6858000"/>
   <p:notesSz cx="6858000" cy="9144000"/>
@@ -4887,7 +4888,7 @@
             </a:pPr>
             <a:r>
               <a:rPr/>
-              <a:t>Lab 12:  TITLE</a:t>
+              <a:t>Lab 12:  Data Collection 2</a:t>
             </a:r>
           </a:p>
         </p:txBody>
@@ -4923,7 +4924,7 @@
             </a:pPr>
             <a:r>
               <a:rPr/>
-              <a:t>Template Subtitle</a:t>
+              <a:t>Get Swapping and Writing</a:t>
             </a:r>
             <a:br/>
             <a:br/>
@@ -4960,7 +4961,7 @@
             </a:pPr>
             <a:r>
               <a:rPr/>
-              <a:t>January 9, 2023</a:t>
+              <a:t>January 16, 2023</a:t>
             </a:r>
           </a:p>
         </p:txBody>
@@ -5052,7 +5053,7 @@
             </a:pPr>
             <a:r>
               <a:rPr/>
-              <a:t>Template</a:t>
+              <a:t>Study Swap is Live!</a:t>
             </a:r>
           </a:p>
           <a:p>
@@ -5061,7 +5062,7 @@
             </a:pPr>
             <a:r>
               <a:rPr/>
-              <a:t>Template</a:t>
+              <a:t>Ethics Applications URGENT</a:t>
             </a:r>
           </a:p>
           <a:p>
@@ -5070,7 +5071,7 @@
             </a:pPr>
             <a:r>
               <a:rPr/>
-              <a:t>Template</a:t>
+              <a:t>Begin writing Method Section</a:t>
             </a:r>
           </a:p>
           <a:p>
@@ -5082,7 +5083,281 @@
             </a:pPr>
             <a:r>
               <a:rPr b="1"/>
-              <a:t>Stuff</a:t>
+              <a:t>1. Study Swap is Live!</a:t>
+            </a:r>
+          </a:p>
+          <a:p>
+            <a:pPr lvl="0"/>
+            <a:r>
+              <a:rPr b="1"/>
+              <a:t>Purpose</a:t>
+            </a:r>
+            <a:r>
+              <a:rPr/>
+              <a:t>: Engage in peer-to-peer learning by evaluating the work of your colleagues.</a:t>
+            </a:r>
+          </a:p>
+          <a:p>
+            <a:pPr lvl="0"/>
+            <a:r>
+              <a:rPr b="1"/>
+              <a:t>Process</a:t>
+            </a:r>
+            <a:r>
+              <a:rPr/>
+              <a:t>:</a:t>
+            </a:r>
+          </a:p>
+          <a:p>
+            <a:pPr lvl="1"/>
+            <a:r>
+              <a:rPr/>
+              <a:t>Visit the Study Swap on the VLE.</a:t>
+            </a:r>
+          </a:p>
+          <a:p>
+            <a:pPr lvl="1"/>
+            <a:r>
+              <a:rPr/>
+              <a:t>Take part in one or all.</a:t>
+            </a:r>
+          </a:p>
+          <a:p>
+            <a:pPr lvl="1"/>
+            <a:r>
+              <a:rPr/>
+              <a:t>If your study is listed, ask lab-mates for feedback and answer any questions.</a:t>
+            </a:r>
+          </a:p>
+          <a:p>
+            <a:pPr lvl="0"/>
+            <a:r>
+              <a:rPr b="1"/>
+              <a:t>Goal</a:t>
+            </a:r>
+            <a:r>
+              <a:rPr/>
+              <a:t>: Gain insights into the merits of study designs or choice of tools.</a:t>
+            </a:r>
+          </a:p>
+          <a:p>
+            <a:pPr lvl="1" indent="0" marL="257175">
+              <a:buNone/>
+            </a:pPr>
+            <a:r>
+              <a:rPr>
+                <a:hlinkClick r:id="rId2"/>
+              </a:rPr>
+              <a:t>STUDY SWAP</a:t>
+            </a:r>
+          </a:p>
+          <a:p>
+            <a:pPr lvl="1" indent="0" marL="257175">
+              <a:buNone/>
+            </a:pPr>
+            <a:r>
+              <a:rPr/>
+              <a:t>STUDY SWAP</a:t>
+            </a:r>
+          </a:p>
+          <a:p>
+            <a:pPr lvl="0" indent="0" marL="0">
+              <a:spcBef>
+                <a:spcPts val="3000"/>
+              </a:spcBef>
+              <a:buNone/>
+            </a:pPr>
+            <a:r>
+              <a:rPr b="1"/>
+              <a:t>2. Ethics Applications URGENT</a:t>
+            </a:r>
+          </a:p>
+          <a:p>
+            <a:pPr lvl="0"/>
+            <a:r>
+              <a:rPr b="1"/>
+              <a:t>Importance</a:t>
+            </a:r>
+            <a:r>
+              <a:rPr/>
+              <a:t>: Ethical approval is crucial to allow for data collection/submission of the Mini-Dissertation.</a:t>
+            </a:r>
+          </a:p>
+          <a:p>
+            <a:pPr lvl="0"/>
+            <a:r>
+              <a:rPr b="1"/>
+              <a:t>Steps</a:t>
+            </a:r>
+            <a:r>
+              <a:rPr/>
+              <a:t>:</a:t>
+            </a:r>
+          </a:p>
+          <a:p>
+            <a:pPr lvl="1"/>
+            <a:r>
+              <a:rPr/>
+              <a:t>If approval is pending, please submit TODAY.</a:t>
+            </a:r>
+          </a:p>
+          <a:p>
+            <a:pPr lvl="1"/>
+            <a:r>
+              <a:rPr/>
+              <a:t>If you face obstacles, please engage your Lab Tutor/Gordon IMMEDIATELY.</a:t>
+            </a:r>
+          </a:p>
+          <a:p>
+            <a:pPr lvl="1"/>
+            <a:r>
+              <a:rPr/>
+              <a:t>We have been asked to close applications.</a:t>
+            </a:r>
+          </a:p>
+          <a:p>
+            <a:pPr lvl="0"/>
+            <a:r>
+              <a:rPr b="1"/>
+              <a:t>Reminder</a:t>
+            </a:r>
+            <a:r>
+              <a:rPr/>
+              <a:t>: Not submitting ethics can potentially mean you need to repeat the year.</a:t>
+            </a:r>
+          </a:p>
+          <a:p>
+            <a:pPr lvl="0" indent="0" marL="0">
+              <a:spcBef>
+                <a:spcPts val="3000"/>
+              </a:spcBef>
+              <a:buNone/>
+            </a:pPr>
+            <a:r>
+              <a:rPr b="1"/>
+              <a:t>3. Begin Writing Method Section</a:t>
+            </a:r>
+          </a:p>
+          <a:p>
+            <a:pPr lvl="0"/>
+            <a:r>
+              <a:rPr b="1"/>
+              <a:t>Importance</a:t>
+            </a:r>
+            <a:r>
+              <a:rPr/>
+              <a:t>:</a:t>
+            </a:r>
+          </a:p>
+          <a:p>
+            <a:pPr lvl="1"/>
+            <a:r>
+              <a:rPr/>
+              <a:t>If you have Ethical Approval, your method is fixed.</a:t>
+            </a:r>
+          </a:p>
+          <a:p>
+            <a:pPr lvl="1"/>
+            <a:r>
+              <a:rPr/>
+              <a:t>You can win a great deal of marks with the method section, and so give it time!</a:t>
+            </a:r>
+          </a:p>
+          <a:p>
+            <a:pPr lvl="0"/>
+            <a:r>
+              <a:rPr b="1"/>
+              <a:t>Tips</a:t>
+            </a:r>
+            <a:r>
+              <a:rPr/>
+              <a:t>:</a:t>
+            </a:r>
+          </a:p>
+          <a:p>
+            <a:pPr lvl="1"/>
+            <a:r>
+              <a:rPr/>
+              <a:t>Be precise and detailed to allow for replication.</a:t>
+            </a:r>
+          </a:p>
+          <a:p>
+            <a:pPr lvl="1"/>
+            <a:r>
+              <a:rPr/>
+              <a:t>Use the extensive suite of resources on the VLE and the internet!</a:t>
+            </a:r>
+          </a:p>
+          <a:p>
+            <a:pPr lvl="0"/>
+            <a:r>
+              <a:rPr b="1"/>
+              <a:t>Objective</a:t>
+            </a:r>
+            <a:r>
+              <a:rPr/>
+              <a:t>: Alongside your Open Materials - a one stop toolkit to replicate your study in perfect detail.</a:t>
+            </a:r>
+          </a:p>
+        </p:txBody>
+      </p:sp>
+    </p:spTree>
+  </p:cSld>
+</p:sld>
+</file>
+
+<file path=ppt/slides/slide3.xml><?xml version="1.0" encoding="utf-8"?>
+<p:sld xmlns:a="http://schemas.openxmlformats.org/drawingml/2006/main" xmlns:r="http://schemas.openxmlformats.org/officeDocument/2006/relationships" xmlns:p="http://schemas.openxmlformats.org/presentationml/2006/main">
+  <p:cSld>
+    <p:spTree>
+      <p:nvGrpSpPr>
+        <p:cNvPr id="1" name=""/>
+        <p:cNvGrpSpPr/>
+        <p:nvPr/>
+      </p:nvGrpSpPr>
+      <p:grpSpPr>
+        <a:xfrm>
+          <a:off x="0" y="0"/>
+          <a:ext cx="0" cy="0"/>
+          <a:chOff x="0" y="0"/>
+          <a:chExt cx="0" cy="0"/>
+        </a:xfrm>
+      </p:grpSpPr>
+      <p:sp>
+        <p:nvSpPr>
+          <p:cNvPr id="2" name="Title 1">
+            <a:extLst>
+              <a:ext uri="{FF2B5EF4-FFF2-40B4-BE49-F238E27FC236}">
+                <a16:creationId xmlns:a16="http://schemas.microsoft.com/office/drawing/2014/main" id="{DD9B8E45-0772-954C-8D4B-6E6808DFEDED}"/>
+              </a:ext>
+            </a:extLst>
+          </p:cNvPr>
+          <p:cNvSpPr>
+            <a:spLocks noGrp="1"/>
+          </p:cNvSpPr>
+          <p:nvPr>
+            <p:ph type="title"/>
+          </p:nvPr>
+        </p:nvSpPr>
+        <p:spPr>
+          <a:xfrm>
+            <a:off x="838200" y="365129"/>
+            <a:ext cx="10002520" cy="1325563"/>
+          </a:xfrm>
+          <a:prstGeom prst="rect">
+            <a:avLst/>
+          </a:prstGeom>
+        </p:spPr>
+        <p:txBody>
+          <a:bodyPr/>
+          <a:lstStyle/>
+          <a:p>
+            <a:pPr lvl="0" indent="0" marL="0">
+              <a:buNone/>
+            </a:pPr>
+            <a:r>
+              <a:rPr/>
+              <a:t>Have a great week!</a:t>
             </a:r>
           </a:p>
         </p:txBody>
